--- a/documentation/Presentations/Mean/git and mean.pptx
+++ b/documentation/Presentations/Mean/git and mean.pptx
@@ -118,7 +118,7 @@
   </p:defaultTextStyle>
   <p:extLst>
     <p:ext uri="{EFAFB233-063F-42B5-8137-9DF3F51BA10A}">
-      <p15:sldGuideLst xmlns:p15="http://schemas.microsoft.com/office/powerpoint/2012/main" xmlns=""/>
+      <p15:sldGuideLst xmlns:p15="http://schemas.microsoft.com/office/powerpoint/2012/main"/>
     </p:ext>
   </p:extLst>
 </p:presentation>
@@ -977,12 +977,8 @@
           <a:lstStyle/>
           <a:p>
             <a:r>
-              <a:rPr lang="de-DE" dirty="0" err="1" smtClean="0"/>
-              <a:t>Jjack</a:t>
-            </a:r>
-            <a:r>
               <a:rPr lang="de-DE" dirty="0" smtClean="0"/>
-              <a:t> Nicholson: </a:t>
+              <a:t>Jack Nicholson: </a:t>
             </a:r>
             <a:r>
               <a:rPr lang="en-US" sz="1200" b="0" i="0" kern="1200" dirty="0" smtClean="0">
@@ -1370,8 +1366,41 @@
           </a:p>
           <a:p>
             <a:r>
+              <a:rPr lang="de-DE" dirty="0" err="1" smtClean="0"/>
+              <a:t>Prerequisites</a:t>
+            </a:r>
+            <a:r>
               <a:rPr lang="de-DE" dirty="0" smtClean="0"/>
-              <a:t>yeoman.io</a:t>
+              <a:t>!!!</a:t>
+            </a:r>
+          </a:p>
+          <a:p>
+            <a:endParaRPr lang="de-DE" dirty="0" smtClean="0"/>
+          </a:p>
+          <a:p>
+            <a:r>
+              <a:rPr lang="de-DE" dirty="0" err="1" smtClean="0"/>
+              <a:t>Slightly</a:t>
+            </a:r>
+            <a:r>
+              <a:rPr lang="de-DE" dirty="0" smtClean="0"/>
+              <a:t> different </a:t>
+            </a:r>
+            <a:r>
+              <a:rPr lang="de-DE" dirty="0" err="1" smtClean="0"/>
+              <a:t>tool</a:t>
+            </a:r>
+            <a:r>
+              <a:rPr lang="de-DE" dirty="0" smtClean="0"/>
+              <a:t> </a:t>
+            </a:r>
+            <a:r>
+              <a:rPr lang="de-DE" dirty="0" err="1" smtClean="0"/>
+              <a:t>called</a:t>
+            </a:r>
+            <a:r>
+              <a:rPr lang="de-DE" dirty="0" smtClean="0"/>
+              <a:t>: mean.io</a:t>
             </a:r>
             <a:endParaRPr lang="de-DE" dirty="0"/>
           </a:p>
@@ -7608,20 +7637,57 @@
               <a:rPr lang="de-DE" dirty="0" err="1" smtClean="0"/>
               <a:t>team</a:t>
             </a:r>
+            <a:endParaRPr lang="de-DE" dirty="0" smtClean="0"/>
+          </a:p>
+          <a:p>
+            <a:r>
+              <a:rPr lang="de-DE" dirty="0" err="1" smtClean="0"/>
+              <a:t>get</a:t>
+            </a:r>
             <a:r>
               <a:rPr lang="de-DE" dirty="0" smtClean="0"/>
-              <a:t/>
-            </a:r>
-            <a:br>
+              <a:t> </a:t>
+            </a:r>
+            <a:r>
+              <a:rPr lang="de-DE" dirty="0" err="1" smtClean="0"/>
+              <a:t>familiar</a:t>
+            </a:r>
+            <a:r>
               <a:rPr lang="de-DE" dirty="0" smtClean="0"/>
-            </a:br>
-            <a:endParaRPr lang="de-DE" dirty="0" smtClean="0"/>
-          </a:p>
-          <a:p>
-            <a:endParaRPr lang="de-DE" dirty="0" smtClean="0"/>
-          </a:p>
-          <a:p>
-            <a:endParaRPr lang="de-DE" dirty="0"/>
+              <a:t> </a:t>
+            </a:r>
+            <a:r>
+              <a:rPr lang="de-DE" dirty="0" err="1" smtClean="0"/>
+              <a:t>with</a:t>
+            </a:r>
+            <a:r>
+              <a:rPr lang="de-DE" dirty="0" smtClean="0"/>
+              <a:t> </a:t>
+            </a:r>
+            <a:r>
+              <a:rPr lang="de-DE" dirty="0" err="1" smtClean="0"/>
+              <a:t>the</a:t>
+            </a:r>
+            <a:r>
+              <a:rPr lang="de-DE" dirty="0" smtClean="0"/>
+              <a:t> </a:t>
+            </a:r>
+            <a:r>
+              <a:rPr lang="de-DE" dirty="0" err="1" smtClean="0"/>
+              <a:t>application</a:t>
+            </a:r>
+            <a:r>
+              <a:rPr lang="de-DE" dirty="0" smtClean="0"/>
+              <a:t> </a:t>
+            </a:r>
+            <a:r>
+              <a:rPr lang="de-DE" dirty="0" err="1" smtClean="0"/>
+              <a:t>skeleton</a:t>
+            </a:r>
+            <a:r>
+              <a:rPr lang="de-DE" dirty="0" smtClean="0"/>
+              <a:t> </a:t>
+            </a:r>
           </a:p>
           <a:p>
             <a:r>
@@ -7746,7 +7812,7 @@
         </p:blipFill>
         <p:spPr>
           <a:xfrm>
-            <a:off x="1538558" y="2577339"/>
+            <a:off x="6941830" y="1865234"/>
             <a:ext cx="3696216" cy="800212"/>
           </a:xfrm>
           <a:prstGeom prst="rect">
@@ -7770,7 +7836,7 @@
         </p:blipFill>
         <p:spPr>
           <a:xfrm>
-            <a:off x="1538558" y="4671173"/>
+            <a:off x="1103312" y="4277856"/>
             <a:ext cx="4131462" cy="2101647"/>
           </a:xfrm>
           <a:prstGeom prst="rect">
@@ -7794,7 +7860,7 @@
         </p:blipFill>
         <p:spPr>
           <a:xfrm>
-            <a:off x="6105266" y="4671173"/>
+            <a:off x="6481456" y="4277857"/>
             <a:ext cx="4156590" cy="2101647"/>
           </a:xfrm>
           <a:prstGeom prst="rect">
@@ -9827,6 +9893,7 @@
           </a:bodyPr>
           <a:lstStyle/>
           <a:p>
+            <a:pPr algn="ctr"/>
             <a:r>
               <a:rPr lang="de-DE" dirty="0" smtClean="0"/>
               <a:t>MEAN </a:t>
@@ -9837,11 +9904,11 @@
             </a:r>
             <a:r>
               <a:rPr lang="de-DE" dirty="0" smtClean="0"/>
-              <a:t> an open-</a:t>
+              <a:t> </a:t>
             </a:r>
             <a:r>
               <a:rPr lang="de-DE" dirty="0" err="1" smtClean="0"/>
-              <a:t>source</a:t>
+              <a:t>fullstack</a:t>
             </a:r>
             <a:r>
               <a:rPr lang="de-DE" dirty="0" smtClean="0"/>
@@ -9849,33 +9916,22 @@
             </a:r>
             <a:r>
               <a:rPr lang="de-DE" dirty="0" err="1" smtClean="0"/>
-              <a:t>fullstack</a:t>
+              <a:t>framework</a:t>
             </a:r>
             <a:r>
               <a:rPr lang="de-DE" dirty="0" smtClean="0"/>
               <a:t> </a:t>
             </a:r>
-            <a:r>
-              <a:rPr lang="de-DE" dirty="0" err="1" smtClean="0"/>
-              <a:t>javascript</a:t>
-            </a:r>
+          </a:p>
+          <a:p>
+            <a:pPr algn="ctr"/>
             <a:r>
               <a:rPr lang="de-DE" dirty="0" smtClean="0"/>
-              <a:t> </a:t>
-            </a:r>
-            <a:r>
-              <a:rPr lang="de-DE" dirty="0" err="1" smtClean="0"/>
-              <a:t>framwork</a:t>
-            </a:r>
-            <a:endParaRPr lang="de-DE" dirty="0"/>
-          </a:p>
-          <a:p>
-            <a:r>
-              <a:rPr lang="de-DE" dirty="0" smtClean="0"/>
-              <a:t>								–</a:t>
-            </a:r>
-          </a:p>
-          <a:p>
+              <a:t>– </a:t>
+            </a:r>
+          </a:p>
+          <a:p>
+            <a:pPr algn="ctr"/>
             <a:r>
               <a:rPr lang="de-DE" dirty="0" err="1" smtClean="0"/>
               <a:t>which</a:t>
@@ -11733,6 +11789,88 @@
           </a:p>
         </p:txBody>
       </p:sp>
+      <p:pic>
+        <p:nvPicPr>
+          <p:cNvPr id="1026" name="Picture 2" descr="http://bower.io/img/bower-logo.png"/>
+          <p:cNvPicPr>
+            <a:picLocks noChangeAspect="1" noChangeArrowheads="1"/>
+          </p:cNvPicPr>
+          <p:nvPr/>
+        </p:nvPicPr>
+        <p:blipFill>
+          <a:blip r:embed="rId9">
+            <a:extLst>
+              <a:ext uri="{28A0092B-C50C-407E-A947-70E740481C1C}">
+                <a14:useLocalDpi xmlns:a14="http://schemas.microsoft.com/office/drawing/2010/main" val="0"/>
+              </a:ext>
+            </a:extLst>
+          </a:blip>
+          <a:srcRect/>
+          <a:stretch>
+            <a:fillRect/>
+          </a:stretch>
+        </p:blipFill>
+        <p:spPr bwMode="auto">
+          <a:xfrm>
+            <a:off x="1837698" y="1802652"/>
+            <a:ext cx="490536" cy="490536"/>
+          </a:xfrm>
+          <a:prstGeom prst="rect">
+            <a:avLst/>
+          </a:prstGeom>
+          <a:noFill/>
+          <a:extLst>
+            <a:ext uri="{909E8E84-426E-40DD-AFC4-6F175D3DCCD1}">
+              <a14:hiddenFill xmlns:a14="http://schemas.microsoft.com/office/drawing/2010/main">
+                <a:solidFill>
+                  <a:srgbClr val="FFFFFF"/>
+                </a:solidFill>
+              </a14:hiddenFill>
+            </a:ext>
+          </a:extLst>
+        </p:spPr>
+      </p:pic>
+      <p:pic>
+        <p:nvPicPr>
+          <p:cNvPr id="1028" name="Picture 4" descr="http://passportjs.org/assets/images/logo-90px.png"/>
+          <p:cNvPicPr>
+            <a:picLocks noChangeAspect="1" noChangeArrowheads="1"/>
+          </p:cNvPicPr>
+          <p:nvPr/>
+        </p:nvPicPr>
+        <p:blipFill>
+          <a:blip r:embed="rId10">
+            <a:extLst>
+              <a:ext uri="{28A0092B-C50C-407E-A947-70E740481C1C}">
+                <a14:useLocalDpi xmlns:a14="http://schemas.microsoft.com/office/drawing/2010/main" val="0"/>
+              </a:ext>
+            </a:extLst>
+          </a:blip>
+          <a:srcRect/>
+          <a:stretch>
+            <a:fillRect/>
+          </a:stretch>
+        </p:blipFill>
+        <p:spPr bwMode="auto">
+          <a:xfrm>
+            <a:off x="5273836" y="1765175"/>
+            <a:ext cx="473252" cy="473253"/>
+          </a:xfrm>
+          <a:prstGeom prst="rect">
+            <a:avLst/>
+          </a:prstGeom>
+          <a:noFill/>
+          <a:extLst>
+            <a:ext uri="{909E8E84-426E-40DD-AFC4-6F175D3DCCD1}">
+              <a14:hiddenFill xmlns:a14="http://schemas.microsoft.com/office/drawing/2010/main">
+                <a:solidFill>
+                  <a:srgbClr val="FFFFFF"/>
+                </a:solidFill>
+              </a14:hiddenFill>
+            </a:ext>
+          </a:extLst>
+        </p:spPr>
+      </p:pic>
     </p:spTree>
     <p:extLst>
       <p:ext uri="{BB962C8B-B14F-4D97-AF65-F5344CB8AC3E}">
@@ -11746,7 +11884,228 @@
   <p:timing>
     <p:tnLst>
       <p:par>
-        <p:cTn id="1" dur="indefinite" restart="never" nodeType="tmRoot"/>
+        <p:cTn id="1" dur="indefinite" restart="never" nodeType="tmRoot">
+          <p:childTnLst>
+            <p:seq concurrent="1" nextAc="seek">
+              <p:cTn id="2" dur="indefinite" nodeType="mainSeq">
+                <p:childTnLst>
+                  <p:par>
+                    <p:cTn id="3" fill="hold">
+                      <p:stCondLst>
+                        <p:cond delay="indefinite"/>
+                      </p:stCondLst>
+                      <p:childTnLst>
+                        <p:par>
+                          <p:cTn id="4" fill="hold">
+                            <p:stCondLst>
+                              <p:cond delay="0"/>
+                            </p:stCondLst>
+                            <p:childTnLst>
+                              <p:par>
+                                <p:cTn id="5" presetID="42" presetClass="entr" presetSubtype="0" fill="hold" nodeType="clickEffect">
+                                  <p:stCondLst>
+                                    <p:cond delay="0"/>
+                                  </p:stCondLst>
+                                  <p:childTnLst>
+                                    <p:set>
+                                      <p:cBhvr>
+                                        <p:cTn id="6" dur="1" fill="hold">
+                                          <p:stCondLst>
+                                            <p:cond delay="0"/>
+                                          </p:stCondLst>
+                                        </p:cTn>
+                                        <p:tgtEl>
+                                          <p:spTgt spid="1026"/>
+                                        </p:tgtEl>
+                                        <p:attrNameLst>
+                                          <p:attrName>style.visibility</p:attrName>
+                                        </p:attrNameLst>
+                                      </p:cBhvr>
+                                      <p:to>
+                                        <p:strVal val="visible"/>
+                                      </p:to>
+                                    </p:set>
+                                    <p:animEffect transition="in" filter="fade">
+                                      <p:cBhvr>
+                                        <p:cTn id="7" dur="1000"/>
+                                        <p:tgtEl>
+                                          <p:spTgt spid="1026"/>
+                                        </p:tgtEl>
+                                      </p:cBhvr>
+                                    </p:animEffect>
+                                    <p:anim calcmode="lin" valueType="num">
+                                      <p:cBhvr>
+                                        <p:cTn id="8" dur="1000" fill="hold"/>
+                                        <p:tgtEl>
+                                          <p:spTgt spid="1026"/>
+                                        </p:tgtEl>
+                                        <p:attrNameLst>
+                                          <p:attrName>ppt_x</p:attrName>
+                                        </p:attrNameLst>
+                                      </p:cBhvr>
+                                      <p:tavLst>
+                                        <p:tav tm="0">
+                                          <p:val>
+                                            <p:strVal val="#ppt_x"/>
+                                          </p:val>
+                                        </p:tav>
+                                        <p:tav tm="100000">
+                                          <p:val>
+                                            <p:strVal val="#ppt_x"/>
+                                          </p:val>
+                                        </p:tav>
+                                      </p:tavLst>
+                                    </p:anim>
+                                    <p:anim calcmode="lin" valueType="num">
+                                      <p:cBhvr>
+                                        <p:cTn id="9" dur="1000" fill="hold"/>
+                                        <p:tgtEl>
+                                          <p:spTgt spid="1026"/>
+                                        </p:tgtEl>
+                                        <p:attrNameLst>
+                                          <p:attrName>ppt_y</p:attrName>
+                                        </p:attrNameLst>
+                                      </p:cBhvr>
+                                      <p:tavLst>
+                                        <p:tav tm="0">
+                                          <p:val>
+                                            <p:strVal val="#ppt_y+.1"/>
+                                          </p:val>
+                                        </p:tav>
+                                        <p:tav tm="100000">
+                                          <p:val>
+                                            <p:strVal val="#ppt_y"/>
+                                          </p:val>
+                                        </p:tav>
+                                      </p:tavLst>
+                                    </p:anim>
+                                  </p:childTnLst>
+                                </p:cTn>
+                              </p:par>
+                            </p:childTnLst>
+                          </p:cTn>
+                        </p:par>
+                      </p:childTnLst>
+                    </p:cTn>
+                  </p:par>
+                  <p:par>
+                    <p:cTn id="10" fill="hold">
+                      <p:stCondLst>
+                        <p:cond delay="indefinite"/>
+                      </p:stCondLst>
+                      <p:childTnLst>
+                        <p:par>
+                          <p:cTn id="11" fill="hold">
+                            <p:stCondLst>
+                              <p:cond delay="0"/>
+                            </p:stCondLst>
+                            <p:childTnLst>
+                              <p:par>
+                                <p:cTn id="12" presetID="42" presetClass="entr" presetSubtype="0" fill="hold" nodeType="clickEffect">
+                                  <p:stCondLst>
+                                    <p:cond delay="0"/>
+                                  </p:stCondLst>
+                                  <p:childTnLst>
+                                    <p:set>
+                                      <p:cBhvr>
+                                        <p:cTn id="13" dur="1" fill="hold">
+                                          <p:stCondLst>
+                                            <p:cond delay="0"/>
+                                          </p:stCondLst>
+                                        </p:cTn>
+                                        <p:tgtEl>
+                                          <p:spTgt spid="1028"/>
+                                        </p:tgtEl>
+                                        <p:attrNameLst>
+                                          <p:attrName>style.visibility</p:attrName>
+                                        </p:attrNameLst>
+                                      </p:cBhvr>
+                                      <p:to>
+                                        <p:strVal val="visible"/>
+                                      </p:to>
+                                    </p:set>
+                                    <p:animEffect transition="in" filter="fade">
+                                      <p:cBhvr>
+                                        <p:cTn id="14" dur="1000"/>
+                                        <p:tgtEl>
+                                          <p:spTgt spid="1028"/>
+                                        </p:tgtEl>
+                                      </p:cBhvr>
+                                    </p:animEffect>
+                                    <p:anim calcmode="lin" valueType="num">
+                                      <p:cBhvr>
+                                        <p:cTn id="15" dur="1000" fill="hold"/>
+                                        <p:tgtEl>
+                                          <p:spTgt spid="1028"/>
+                                        </p:tgtEl>
+                                        <p:attrNameLst>
+                                          <p:attrName>ppt_x</p:attrName>
+                                        </p:attrNameLst>
+                                      </p:cBhvr>
+                                      <p:tavLst>
+                                        <p:tav tm="0">
+                                          <p:val>
+                                            <p:strVal val="#ppt_x"/>
+                                          </p:val>
+                                        </p:tav>
+                                        <p:tav tm="100000">
+                                          <p:val>
+                                            <p:strVal val="#ppt_x"/>
+                                          </p:val>
+                                        </p:tav>
+                                      </p:tavLst>
+                                    </p:anim>
+                                    <p:anim calcmode="lin" valueType="num">
+                                      <p:cBhvr>
+                                        <p:cTn id="16" dur="1000" fill="hold"/>
+                                        <p:tgtEl>
+                                          <p:spTgt spid="1028"/>
+                                        </p:tgtEl>
+                                        <p:attrNameLst>
+                                          <p:attrName>ppt_y</p:attrName>
+                                        </p:attrNameLst>
+                                      </p:cBhvr>
+                                      <p:tavLst>
+                                        <p:tav tm="0">
+                                          <p:val>
+                                            <p:strVal val="#ppt_y+.1"/>
+                                          </p:val>
+                                        </p:tav>
+                                        <p:tav tm="100000">
+                                          <p:val>
+                                            <p:strVal val="#ppt_y"/>
+                                          </p:val>
+                                        </p:tav>
+                                      </p:tavLst>
+                                    </p:anim>
+                                  </p:childTnLst>
+                                </p:cTn>
+                              </p:par>
+                            </p:childTnLst>
+                          </p:cTn>
+                        </p:par>
+                      </p:childTnLst>
+                    </p:cTn>
+                  </p:par>
+                </p:childTnLst>
+              </p:cTn>
+              <p:prevCondLst>
+                <p:cond evt="onPrev" delay="0">
+                  <p:tgtEl>
+                    <p:sldTgt/>
+                  </p:tgtEl>
+                </p:cond>
+              </p:prevCondLst>
+              <p:nextCondLst>
+                <p:cond evt="onNext" delay="0">
+                  <p:tgtEl>
+                    <p:sldTgt/>
+                  </p:tgtEl>
+                </p:cond>
+              </p:nextCondLst>
+            </p:seq>
+          </p:childTnLst>
+        </p:cTn>
       </p:par>
     </p:tnLst>
   </p:timing>
@@ -12300,7 +12659,7 @@
   <a:extraClrSchemeLst/>
   <a:extLst>
     <a:ext uri="{05A4C25C-085E-4340-85A3-A5531E510DB2}">
-      <thm15:themeFamily xmlns:thm15="http://schemas.microsoft.com/office/thememl/2012/main" xmlns="" name="Ion" id="{B8441ADB-2E43-4AF7-B97A-BD870242C6A8}" vid="{292E63A9-BB86-4E3D-B92A-7223C6510D2E}"/>
+      <thm15:themeFamily xmlns:thm15="http://schemas.microsoft.com/office/thememl/2012/main" name="Ion" id="{B8441ADB-2E43-4AF7-B97A-BD870242C6A8}" vid="{292E63A9-BB86-4E3D-B92A-7223C6510D2E}"/>
     </a:ext>
   </a:extLst>
 </a:theme>
@@ -12561,7 +12920,7 @@
   <a:extraClrSchemeLst/>
   <a:extLst>
     <a:ext uri="{05A4C25C-085E-4340-85A3-A5531E510DB2}">
-      <thm15:themeFamily xmlns:thm15="http://schemas.microsoft.com/office/thememl/2012/main" xmlns="" name="Office Theme" id="{62F939B6-93AF-4DB8-9C6B-D6C7DFDC589F}" vid="{4A3C46E8-61CC-4603-A589-7422A47A8E4A}"/>
+      <thm15:themeFamily xmlns:thm15="http://schemas.microsoft.com/office/thememl/2012/main" name="Office Theme" id="{62F939B6-93AF-4DB8-9C6B-D6C7DFDC589F}" vid="{4A3C46E8-61CC-4603-A589-7422A47A8E4A}"/>
     </a:ext>
   </a:extLst>
 </a:theme>
